--- a/collab_mri_tasks/complex_choice/decision_task_instruction.pptx
+++ b/collab_mri_tasks/complex_choice/decision_task_instruction.pptx
@@ -270,7 +270,7 @@
           <a:p>
             <a:fld id="{BD82A94B-8595-419C-BF57-D51AB33609D1}" type="datetimeFigureOut">
               <a:rPr lang="en-US" smtClean="0"/>
-              <a:t>3/4/2024</a:t>
+              <a:t>3/27/2024</a:t>
             </a:fld>
             <a:endParaRPr lang="en-US" dirty="0"/>
           </a:p>
@@ -447,7 +447,7 @@
           <a:p>
             <a:fld id="{652BB16F-2169-4A0F-818F-214041E36035}" type="datetimeFigureOut">
               <a:rPr lang="en-GB" smtClean="0"/>
-              <a:t>04/03/2024</a:t>
+              <a:t>27/03/2024</a:t>
             </a:fld>
             <a:endParaRPr lang="en-GB" dirty="0"/>
           </a:p>
@@ -2546,7 +2546,7 @@
           <a:p>
             <a:fld id="{724A9933-0BD2-45EA-8819-99110733ED14}" type="datetimeFigureOut">
               <a:rPr lang="en-GB" smtClean="0"/>
-              <a:t>04/03/2024</a:t>
+              <a:t>27/03/2024</a:t>
             </a:fld>
             <a:endParaRPr lang="en-GB" dirty="0"/>
           </a:p>
@@ -2716,7 +2716,7 @@
           <a:p>
             <a:fld id="{724A9933-0BD2-45EA-8819-99110733ED14}" type="datetimeFigureOut">
               <a:rPr lang="en-GB" smtClean="0"/>
-              <a:t>04/03/2024</a:t>
+              <a:t>27/03/2024</a:t>
             </a:fld>
             <a:endParaRPr lang="en-GB" dirty="0"/>
           </a:p>
@@ -2896,7 +2896,7 @@
           <a:p>
             <a:fld id="{724A9933-0BD2-45EA-8819-99110733ED14}" type="datetimeFigureOut">
               <a:rPr lang="en-GB" smtClean="0"/>
-              <a:t>04/03/2024</a:t>
+              <a:t>27/03/2024</a:t>
             </a:fld>
             <a:endParaRPr lang="en-GB" dirty="0"/>
           </a:p>
@@ -3110,7 +3110,7 @@
           <a:p>
             <a:fld id="{724A9933-0BD2-45EA-8819-99110733ED14}" type="datetimeFigureOut">
               <a:rPr lang="en-GB" smtClean="0"/>
-              <a:t>04/03/2024</a:t>
+              <a:t>27/03/2024</a:t>
             </a:fld>
             <a:endParaRPr lang="en-GB" dirty="0"/>
           </a:p>
@@ -3356,7 +3356,7 @@
           <a:p>
             <a:fld id="{724A9933-0BD2-45EA-8819-99110733ED14}" type="datetimeFigureOut">
               <a:rPr lang="en-GB" smtClean="0"/>
-              <a:t>04/03/2024</a:t>
+              <a:t>27/03/2024</a:t>
             </a:fld>
             <a:endParaRPr lang="en-GB" dirty="0"/>
           </a:p>
@@ -3588,7 +3588,7 @@
           <a:p>
             <a:fld id="{724A9933-0BD2-45EA-8819-99110733ED14}" type="datetimeFigureOut">
               <a:rPr lang="en-GB" smtClean="0"/>
-              <a:t>04/03/2024</a:t>
+              <a:t>27/03/2024</a:t>
             </a:fld>
             <a:endParaRPr lang="en-GB" dirty="0"/>
           </a:p>
@@ -3955,7 +3955,7 @@
           <a:p>
             <a:fld id="{724A9933-0BD2-45EA-8819-99110733ED14}" type="datetimeFigureOut">
               <a:rPr lang="en-GB" smtClean="0"/>
-              <a:t>04/03/2024</a:t>
+              <a:t>27/03/2024</a:t>
             </a:fld>
             <a:endParaRPr lang="en-GB" dirty="0"/>
           </a:p>
@@ -4073,7 +4073,7 @@
           <a:p>
             <a:fld id="{724A9933-0BD2-45EA-8819-99110733ED14}" type="datetimeFigureOut">
               <a:rPr lang="en-GB" smtClean="0"/>
-              <a:t>04/03/2024</a:t>
+              <a:t>27/03/2024</a:t>
             </a:fld>
             <a:endParaRPr lang="en-GB" dirty="0"/>
           </a:p>
@@ -4168,7 +4168,7 @@
           <a:p>
             <a:fld id="{724A9933-0BD2-45EA-8819-99110733ED14}" type="datetimeFigureOut">
               <a:rPr lang="en-GB" smtClean="0"/>
-              <a:t>04/03/2024</a:t>
+              <a:t>27/03/2024</a:t>
             </a:fld>
             <a:endParaRPr lang="en-GB" dirty="0"/>
           </a:p>
@@ -4445,7 +4445,7 @@
           <a:p>
             <a:fld id="{724A9933-0BD2-45EA-8819-99110733ED14}" type="datetimeFigureOut">
               <a:rPr lang="en-GB" smtClean="0"/>
-              <a:t>04/03/2024</a:t>
+              <a:t>27/03/2024</a:t>
             </a:fld>
             <a:endParaRPr lang="en-GB" dirty="0"/>
           </a:p>
@@ -4698,7 +4698,7 @@
           <a:p>
             <a:fld id="{724A9933-0BD2-45EA-8819-99110733ED14}" type="datetimeFigureOut">
               <a:rPr lang="en-GB" smtClean="0"/>
-              <a:t>04/03/2024</a:t>
+              <a:t>27/03/2024</a:t>
             </a:fld>
             <a:endParaRPr lang="en-GB" dirty="0"/>
           </a:p>
@@ -4914,7 +4914,7 @@
           <a:p>
             <a:fld id="{724A9933-0BD2-45EA-8819-99110733ED14}" type="datetimeFigureOut">
               <a:rPr lang="en-GB" smtClean="0"/>
-              <a:t>04/03/2024</a:t>
+              <a:t>27/03/2024</a:t>
             </a:fld>
             <a:endParaRPr lang="en-GB" dirty="0"/>
           </a:p>
@@ -19417,7 +19417,7 @@
         <p:spPr>
           <a:xfrm>
             <a:off x="4770355" y="3832225"/>
-            <a:ext cx="2877711" cy="646331"/>
+            <a:ext cx="2954655" cy="646331"/>
           </a:xfrm>
           <a:prstGeom prst="rect">
             <a:avLst/>
@@ -19435,15 +19435,7 @@
                   <a:schemeClr val="bg1"/>
                 </a:solidFill>
               </a:rPr>
-              <a:t>準備好請按 </a:t>
-            </a:r>
-            <a:r>
-              <a:rPr lang="en-HK" altLang="zh-CN" sz="3600" dirty="0">
-                <a:solidFill>
-                  <a:schemeClr val="bg1"/>
-                </a:solidFill>
-              </a:rPr>
-              <a:t>1</a:t>
+              <a:t>準備好請按左</a:t>
             </a:r>
             <a:endParaRPr lang="en-GB" sz="3600" dirty="0">
               <a:solidFill>
